--- a/ITV-Serminarstart.pptx
+++ b/ITV-Serminarstart.pptx
@@ -6630,7 +6630,14 @@
             </a:br>
             <a:r>
               <a:rPr lang="de-DE" dirty="0"/>
-              <a:t> C# und WPF Grundlagen, .NET 5 / Visual Studio 2019</a:t>
+              <a:t> C# und WPF Grundlagen, .NET 5 / </a:t>
+            </a:r>
+            <a:br>
+              <a:rPr lang="de-DE" dirty="0"/>
+            </a:br>
+            <a:r>
+              <a:rPr lang="de-DE" dirty="0"/>
+              <a:t>Visual Studio 2019</a:t>
             </a:r>
             <a:endParaRPr lang="de-DE" b="0" dirty="0"/>
           </a:p>
@@ -7191,41 +7198,41 @@
           <a:p>
             <a:pPr eaLnBrk="1" hangingPunct="1"/>
             <a:r>
-              <a:rPr lang="de-DE" sz="2400"/>
+              <a:rPr lang="de-DE" sz="2400" dirty="0"/>
               <a:t>Beratung bei Einführung, Migration und Betrieb</a:t>
             </a:r>
           </a:p>
           <a:p>
             <a:pPr eaLnBrk="1" hangingPunct="1"/>
             <a:r>
-              <a:rPr lang="de-DE" sz="2400"/>
+              <a:rPr lang="de-DE" sz="2400" dirty="0"/>
               <a:t>(Vor-Ort-)Schulungen, Workshops </a:t>
             </a:r>
           </a:p>
           <a:p>
             <a:pPr eaLnBrk="1" hangingPunct="1"/>
             <a:r>
-              <a:rPr lang="de-DE" sz="2400"/>
+              <a:rPr lang="de-DE" sz="2400" dirty="0"/>
               <a:t>Coaching (Vor-Ort | Telefon | E-Mail | Online-Meeting)</a:t>
             </a:r>
           </a:p>
           <a:p>
             <a:pPr eaLnBrk="1" hangingPunct="1"/>
             <a:r>
-              <a:rPr lang="de-DE" sz="2400"/>
+              <a:rPr lang="de-DE" sz="2400" dirty="0"/>
               <a:t>Support (Vor-Ort | Telefon | E-Mail | Online-Meeting)</a:t>
             </a:r>
           </a:p>
           <a:p>
             <a:pPr eaLnBrk="1" hangingPunct="1"/>
             <a:r>
-              <a:rPr lang="de-DE" sz="2400"/>
+              <a:rPr lang="de-DE" sz="2400" dirty="0"/>
               <a:t>Entwicklung von Prototypen und Lösung</a:t>
             </a:r>
           </a:p>
           <a:p>
             <a:pPr eaLnBrk="1" hangingPunct="1"/>
-            <a:endParaRPr lang="de-DE" sz="2400"/>
+            <a:endParaRPr lang="de-DE" sz="2400" dirty="0"/>
           </a:p>
           <a:p>
             <a:pPr eaLnBrk="1" hangingPunct="1">
@@ -7233,7 +7240,7 @@
               <a:buNone/>
             </a:pPr>
             <a:r>
-              <a:rPr lang="de-DE" sz="2400"/>
+              <a:rPr lang="de-DE" sz="2400" dirty="0"/>
               <a:t>http://www.IT-Visions.de</a:t>
             </a:r>
           </a:p>
@@ -7243,7 +7250,7 @@
               <a:buNone/>
             </a:pPr>
             <a:r>
-              <a:rPr lang="de-DE" sz="2400"/>
+              <a:rPr lang="de-DE" sz="2400" dirty="0"/>
               <a:t>Telefon 0201/7490-700</a:t>
             </a:r>
           </a:p>
@@ -7253,7 +7260,7 @@
               <a:buNone/>
             </a:pPr>
             <a:r>
-              <a:rPr lang="de-DE" sz="2400"/>
+              <a:rPr lang="de-DE" sz="2400" dirty="0"/>
               <a:t>hs@IT-Visions.de</a:t>
             </a:r>
           </a:p>
